--- a/tutorial58/tutorial58.pptx
+++ b/tutorial58/tutorial58.pptx
@@ -4630,23 +4630,7 @@
                   <a:schemeClr val="accent2"/>
                 </a:solidFill>
               </a:rPr>
-              <a:t>Create a condition in case user question is not available in context </a:t>
-            </a:r>
-            <a:r>
-              <a:rPr lang="en-IN" dirty="0" err="1">
-                <a:solidFill>
-                  <a:schemeClr val="accent2"/>
-                </a:solidFill>
-              </a:rPr>
-              <a:t>serach</a:t>
-            </a:r>
-            <a:r>
-              <a:rPr lang="en-IN" dirty="0">
-                <a:solidFill>
-                  <a:schemeClr val="accent2"/>
-                </a:solidFill>
-              </a:rPr>
-              <a:t> from internet</a:t>
+              <a:t>Create a condition in case user question is not available in context search from internet</a:t>
             </a:r>
           </a:p>
           <a:p>
@@ -4734,13 +4718,8 @@
           <a:p>
             <a:r>
               <a:rPr lang="en-IN" dirty="0"/>
-              <a:t>https://github.com/ronidas39/LLMtutorial/tree/main</a:t>
-            </a:r>
-            <a:r>
-              <a:rPr lang="en-IN"/>
-              <a:t>/tutorial58</a:t>
-            </a:r>
-            <a:endParaRPr lang="en-IN" dirty="0"/>
+              <a:t>https://github.com/ronidas39/LLMtutorial/tree/main/tutorial58</a:t>
+            </a:r>
           </a:p>
         </p:txBody>
       </p:sp>
